--- a/Traders of the Border Worlds.pptx
+++ b/Traders of the Border Worlds.pptx
@@ -1065,14 +1065,35 @@
         </dgm:presLayoutVars>
       </dgm:prSet>
       <dgm:spPr/>
+      <dgm:t>
+        <a:bodyPr/>
+        <a:lstStyle/>
+        <a:p>
+          <a:endParaRPr lang="en-GB"/>
+        </a:p>
+      </dgm:t>
     </dgm:pt>
     <dgm:pt modelId="{12678A5C-D0D6-4C6B-A250-2748E02A73B6}" type="pres">
       <dgm:prSet presAssocID="{1B1A5FBD-C6D2-4783-8A02-05A0A0EAA5BF}" presName="sibTrans" presStyleLbl="sibTrans2D1" presStyleIdx="0" presStyleCnt="2"/>
       <dgm:spPr/>
+      <dgm:t>
+        <a:bodyPr/>
+        <a:lstStyle/>
+        <a:p>
+          <a:endParaRPr lang="en-GB"/>
+        </a:p>
+      </dgm:t>
     </dgm:pt>
     <dgm:pt modelId="{832B6190-D874-4FCC-862D-D5A494799B79}" type="pres">
       <dgm:prSet presAssocID="{1B1A5FBD-C6D2-4783-8A02-05A0A0EAA5BF}" presName="connectorText" presStyleLbl="sibTrans2D1" presStyleIdx="0" presStyleCnt="2"/>
       <dgm:spPr/>
+      <dgm:t>
+        <a:bodyPr/>
+        <a:lstStyle/>
+        <a:p>
+          <a:endParaRPr lang="en-GB"/>
+        </a:p>
+      </dgm:t>
     </dgm:pt>
     <dgm:pt modelId="{6D248AA3-EDB9-43C5-A359-599FD5BD359F}" type="pres">
       <dgm:prSet presAssocID="{33CC90FE-6F7C-42B3-B1F4-CC879AF7524B}" presName="node" presStyleLbl="node1" presStyleIdx="1" presStyleCnt="3">
@@ -1081,14 +1102,35 @@
         </dgm:presLayoutVars>
       </dgm:prSet>
       <dgm:spPr/>
+      <dgm:t>
+        <a:bodyPr/>
+        <a:lstStyle/>
+        <a:p>
+          <a:endParaRPr lang="en-GB"/>
+        </a:p>
+      </dgm:t>
     </dgm:pt>
     <dgm:pt modelId="{557867B0-3701-4B8E-94F5-467D0A55F7C2}" type="pres">
       <dgm:prSet presAssocID="{791DDCAB-4899-4D78-83C4-FEC95CA677E9}" presName="sibTrans" presStyleLbl="sibTrans2D1" presStyleIdx="1" presStyleCnt="2"/>
       <dgm:spPr/>
+      <dgm:t>
+        <a:bodyPr/>
+        <a:lstStyle/>
+        <a:p>
+          <a:endParaRPr lang="en-GB"/>
+        </a:p>
+      </dgm:t>
     </dgm:pt>
     <dgm:pt modelId="{9649F09D-F528-4EFE-B853-E95BA2FAA30A}" type="pres">
       <dgm:prSet presAssocID="{791DDCAB-4899-4D78-83C4-FEC95CA677E9}" presName="connectorText" presStyleLbl="sibTrans2D1" presStyleIdx="1" presStyleCnt="2"/>
       <dgm:spPr/>
+      <dgm:t>
+        <a:bodyPr/>
+        <a:lstStyle/>
+        <a:p>
+          <a:endParaRPr lang="en-GB"/>
+        </a:p>
+      </dgm:t>
     </dgm:pt>
     <dgm:pt modelId="{BF240D9E-7352-4F4B-AA19-11732DF75E3F}" type="pres">
       <dgm:prSet presAssocID="{E7ECFEE4-1CA2-4C8B-812E-87DD25321582}" presName="node" presStyleLbl="node1" presStyleIdx="2" presStyleCnt="3">
@@ -1097,20 +1139,27 @@
         </dgm:presLayoutVars>
       </dgm:prSet>
       <dgm:spPr/>
+      <dgm:t>
+        <a:bodyPr/>
+        <a:lstStyle/>
+        <a:p>
+          <a:endParaRPr lang="en-GB"/>
+        </a:p>
+      </dgm:t>
     </dgm:pt>
   </dgm:ptLst>
   <dgm:cxnLst>
+    <dgm:cxn modelId="{FDB07330-0775-4060-8137-F14851C7AFA0}" srcId="{42D6BDDD-972D-48D7-AEE2-5BB5E2517D39}" destId="{33CC90FE-6F7C-42B3-B1F4-CC879AF7524B}" srcOrd="1" destOrd="0" parTransId="{DE09C951-12DF-413A-A205-BC2D51A6A965}" sibTransId="{791DDCAB-4899-4D78-83C4-FEC95CA677E9}"/>
+    <dgm:cxn modelId="{B5DF44E1-547F-4933-AE18-3474E58DDABE}" type="presOf" srcId="{1B1A5FBD-C6D2-4783-8A02-05A0A0EAA5BF}" destId="{832B6190-D874-4FCC-862D-D5A494799B79}" srcOrd="1" destOrd="0" presId="urn:microsoft.com/office/officeart/2005/8/layout/process1"/>
+    <dgm:cxn modelId="{4301034B-2051-48B2-A4BA-7000A2FCD010}" type="presOf" srcId="{791DDCAB-4899-4D78-83C4-FEC95CA677E9}" destId="{557867B0-3701-4B8E-94F5-467D0A55F7C2}" srcOrd="0" destOrd="0" presId="urn:microsoft.com/office/officeart/2005/8/layout/process1"/>
     <dgm:cxn modelId="{7D0CB1F1-55B6-400E-A89D-F535DFFA9190}" type="presOf" srcId="{42D6BDDD-972D-48D7-AEE2-5BB5E2517D39}" destId="{6BD9D991-A1D4-48FB-B064-2AF294B992EB}" srcOrd="0" destOrd="0" presId="urn:microsoft.com/office/officeart/2005/8/layout/process1"/>
+    <dgm:cxn modelId="{FD6E8F27-5E7B-4071-B75B-76D6E8690CF0}" srcId="{42D6BDDD-972D-48D7-AEE2-5BB5E2517D39}" destId="{5FD35BEB-3FDA-4750-A9F5-B5F8D896394E}" srcOrd="0" destOrd="0" parTransId="{ED6329A0-591E-461C-9778-D40AA1EF25BE}" sibTransId="{1B1A5FBD-C6D2-4783-8A02-05A0A0EAA5BF}"/>
     <dgm:cxn modelId="{C91123FD-10CF-45BA-90BC-99020A612AEB}" type="presOf" srcId="{791DDCAB-4899-4D78-83C4-FEC95CA677E9}" destId="{9649F09D-F528-4EFE-B853-E95BA2FAA30A}" srcOrd="1" destOrd="0" presId="urn:microsoft.com/office/officeart/2005/8/layout/process1"/>
+    <dgm:cxn modelId="{9FE70272-34D8-417F-9D78-5151B5A903B2}" srcId="{42D6BDDD-972D-48D7-AEE2-5BB5E2517D39}" destId="{E7ECFEE4-1CA2-4C8B-812E-87DD25321582}" srcOrd="2" destOrd="0" parTransId="{1BF1DD6A-C131-4B00-BEBD-ABBC9E18E7AE}" sibTransId="{7E42DFBD-90DE-4B93-8549-7AF22EDD73CC}"/>
+    <dgm:cxn modelId="{1509D08D-5C76-4F89-A7DA-9759AC0F23C5}" type="presOf" srcId="{E7ECFEE4-1CA2-4C8B-812E-87DD25321582}" destId="{BF240D9E-7352-4F4B-AA19-11732DF75E3F}" srcOrd="0" destOrd="0" presId="urn:microsoft.com/office/officeart/2005/8/layout/process1"/>
+    <dgm:cxn modelId="{4CE0C75D-ED75-4091-B293-EAFFDC02A999}" type="presOf" srcId="{33CC90FE-6F7C-42B3-B1F4-CC879AF7524B}" destId="{6D248AA3-EDB9-43C5-A359-599FD5BD359F}" srcOrd="0" destOrd="0" presId="urn:microsoft.com/office/officeart/2005/8/layout/process1"/>
     <dgm:cxn modelId="{63C5DB7C-3EF9-4FA4-AE01-58AE44A79EC3}" type="presOf" srcId="{1B1A5FBD-C6D2-4783-8A02-05A0A0EAA5BF}" destId="{12678A5C-D0D6-4C6B-A250-2748E02A73B6}" srcOrd="0" destOrd="0" presId="urn:microsoft.com/office/officeart/2005/8/layout/process1"/>
-    <dgm:cxn modelId="{9FE70272-34D8-417F-9D78-5151B5A903B2}" srcId="{42D6BDDD-972D-48D7-AEE2-5BB5E2517D39}" destId="{E7ECFEE4-1CA2-4C8B-812E-87DD25321582}" srcOrd="2" destOrd="0" parTransId="{1BF1DD6A-C131-4B00-BEBD-ABBC9E18E7AE}" sibTransId="{7E42DFBD-90DE-4B93-8549-7AF22EDD73CC}"/>
-    <dgm:cxn modelId="{FD6E8F27-5E7B-4071-B75B-76D6E8690CF0}" srcId="{42D6BDDD-972D-48D7-AEE2-5BB5E2517D39}" destId="{5FD35BEB-3FDA-4750-A9F5-B5F8D896394E}" srcOrd="0" destOrd="0" parTransId="{ED6329A0-591E-461C-9778-D40AA1EF25BE}" sibTransId="{1B1A5FBD-C6D2-4783-8A02-05A0A0EAA5BF}"/>
-    <dgm:cxn modelId="{B5DF44E1-547F-4933-AE18-3474E58DDABE}" type="presOf" srcId="{1B1A5FBD-C6D2-4783-8A02-05A0A0EAA5BF}" destId="{832B6190-D874-4FCC-862D-D5A494799B79}" srcOrd="1" destOrd="0" presId="urn:microsoft.com/office/officeart/2005/8/layout/process1"/>
-    <dgm:cxn modelId="{1509D08D-5C76-4F89-A7DA-9759AC0F23C5}" type="presOf" srcId="{E7ECFEE4-1CA2-4C8B-812E-87DD25321582}" destId="{BF240D9E-7352-4F4B-AA19-11732DF75E3F}" srcOrd="0" destOrd="0" presId="urn:microsoft.com/office/officeart/2005/8/layout/process1"/>
     <dgm:cxn modelId="{642C63A2-3491-49C3-AF0E-30E310046CD4}" type="presOf" srcId="{5FD35BEB-3FDA-4750-A9F5-B5F8D896394E}" destId="{D6254FF5-F261-4468-BE8A-E108D69802A7}" srcOrd="0" destOrd="0" presId="urn:microsoft.com/office/officeart/2005/8/layout/process1"/>
-    <dgm:cxn modelId="{4301034B-2051-48B2-A4BA-7000A2FCD010}" type="presOf" srcId="{791DDCAB-4899-4D78-83C4-FEC95CA677E9}" destId="{557867B0-3701-4B8E-94F5-467D0A55F7C2}" srcOrd="0" destOrd="0" presId="urn:microsoft.com/office/officeart/2005/8/layout/process1"/>
-    <dgm:cxn modelId="{4CE0C75D-ED75-4091-B293-EAFFDC02A999}" type="presOf" srcId="{33CC90FE-6F7C-42B3-B1F4-CC879AF7524B}" destId="{6D248AA3-EDB9-43C5-A359-599FD5BD359F}" srcOrd="0" destOrd="0" presId="urn:microsoft.com/office/officeart/2005/8/layout/process1"/>
-    <dgm:cxn modelId="{FDB07330-0775-4060-8137-F14851C7AFA0}" srcId="{42D6BDDD-972D-48D7-AEE2-5BB5E2517D39}" destId="{33CC90FE-6F7C-42B3-B1F4-CC879AF7524B}" srcOrd="1" destOrd="0" parTransId="{DE09C951-12DF-413A-A205-BC2D51A6A965}" sibTransId="{791DDCAB-4899-4D78-83C4-FEC95CA677E9}"/>
     <dgm:cxn modelId="{9E9F7F3C-6181-4B15-96FB-C5D82E2CE22B}" type="presParOf" srcId="{6BD9D991-A1D4-48FB-B064-2AF294B992EB}" destId="{D6254FF5-F261-4468-BE8A-E108D69802A7}" srcOrd="0" destOrd="0" presId="urn:microsoft.com/office/officeart/2005/8/layout/process1"/>
     <dgm:cxn modelId="{72C0AC79-6127-44AC-A431-DB1C7340D274}" type="presParOf" srcId="{6BD9D991-A1D4-48FB-B064-2AF294B992EB}" destId="{12678A5C-D0D6-4C6B-A250-2748E02A73B6}" srcOrd="1" destOrd="0" presId="urn:microsoft.com/office/officeart/2005/8/layout/process1"/>
     <dgm:cxn modelId="{D39A7D60-4564-45A6-AB28-882B0FDFD7E8}" type="presParOf" srcId="{12678A5C-D0D6-4C6B-A250-2748E02A73B6}" destId="{832B6190-D874-4FCC-862D-D5A494799B79}" srcOrd="0" destOrd="0" presId="urn:microsoft.com/office/officeart/2005/8/layout/process1"/>
@@ -1195,12 +1244,12 @@
         </a:fontRef>
       </dsp:style>
       <dsp:txBody>
-        <a:bodyPr spcFirstLastPara="0" vert="horz" wrap="square" lIns="121920" tIns="121920" rIns="121920" bIns="121920" numCol="1" spcCol="1270" anchor="ctr" anchorCtr="0">
+        <a:bodyPr spcFirstLastPara="0" vert="horz" wrap="square" lIns="129540" tIns="129540" rIns="129540" bIns="129540" numCol="1" spcCol="1270" anchor="ctr" anchorCtr="0">
           <a:noAutofit/>
         </a:bodyPr>
         <a:lstStyle/>
         <a:p>
-          <a:pPr lvl="0" algn="ctr" defTabSz="1422400">
+          <a:pPr lvl="0" algn="ctr" defTabSz="1511300">
             <a:lnSpc>
               <a:spcPct val="90000"/>
             </a:lnSpc>
@@ -1212,12 +1261,12 @@
             </a:spcAft>
           </a:pPr>
           <a:r>
-            <a:rPr lang="en-GB" sz="3200" kern="1200" dirty="0" smtClean="0">
+            <a:rPr lang="en-GB" sz="3400" kern="1200" dirty="0" smtClean="0">
               <a:latin typeface="Futura (Light)" panose="020B7200000000000000" pitchFamily="34" charset="0"/>
             </a:rPr>
             <a:t>Yahoo! Finance</a:t>
           </a:r>
-          <a:endParaRPr lang="en-GB" sz="3200" kern="1200" dirty="0">
+          <a:endParaRPr lang="en-GB" sz="3400" kern="1200" dirty="0">
             <a:latin typeface="Futura (Light)" panose="020B7200000000000000" pitchFamily="34" charset="0"/>
           </a:endParaRPr>
         </a:p>
@@ -1360,12 +1409,12 @@
         </a:fontRef>
       </dsp:style>
       <dsp:txBody>
-        <a:bodyPr spcFirstLastPara="0" vert="horz" wrap="square" lIns="121920" tIns="121920" rIns="121920" bIns="121920" numCol="1" spcCol="1270" anchor="ctr" anchorCtr="0">
+        <a:bodyPr spcFirstLastPara="0" vert="horz" wrap="square" lIns="129540" tIns="129540" rIns="129540" bIns="129540" numCol="1" spcCol="1270" anchor="ctr" anchorCtr="0">
           <a:noAutofit/>
         </a:bodyPr>
         <a:lstStyle/>
         <a:p>
-          <a:pPr lvl="0" algn="ctr" defTabSz="1422400">
+          <a:pPr lvl="0" algn="ctr" defTabSz="1511300">
             <a:lnSpc>
               <a:spcPct val="90000"/>
             </a:lnSpc>
@@ -1377,12 +1426,12 @@
             </a:spcAft>
           </a:pPr>
           <a:r>
-            <a:rPr lang="en-GB" sz="3200" kern="1200" dirty="0" smtClean="0">
+            <a:rPr lang="en-GB" sz="3400" kern="1200" dirty="0" smtClean="0">
               <a:latin typeface="Futura (Light)" panose="020B7200000000000000" pitchFamily="34" charset="0"/>
             </a:rPr>
             <a:t>Yahoo! Pipes</a:t>
           </a:r>
-          <a:endParaRPr lang="en-GB" sz="3200" kern="1200" dirty="0">
+          <a:endParaRPr lang="en-GB" sz="3400" kern="1200" dirty="0">
             <a:latin typeface="Futura (Light)" panose="020B7200000000000000" pitchFamily="34" charset="0"/>
           </a:endParaRPr>
         </a:p>
@@ -1525,12 +1574,12 @@
         </a:fontRef>
       </dsp:style>
       <dsp:txBody>
-        <a:bodyPr spcFirstLastPara="0" vert="horz" wrap="square" lIns="121920" tIns="121920" rIns="121920" bIns="121920" numCol="1" spcCol="1270" anchor="ctr" anchorCtr="0">
+        <a:bodyPr spcFirstLastPara="0" vert="horz" wrap="square" lIns="129540" tIns="129540" rIns="129540" bIns="129540" numCol="1" spcCol="1270" anchor="ctr" anchorCtr="0">
           <a:noAutofit/>
         </a:bodyPr>
         <a:lstStyle/>
         <a:p>
-          <a:pPr lvl="0" algn="ctr" defTabSz="1422400">
+          <a:pPr lvl="0" algn="ctr" defTabSz="1511300">
             <a:lnSpc>
               <a:spcPct val="90000"/>
             </a:lnSpc>
@@ -1542,12 +1591,12 @@
             </a:spcAft>
           </a:pPr>
           <a:r>
-            <a:rPr lang="en-GB" sz="3200" kern="1200" dirty="0" smtClean="0">
+            <a:rPr lang="en-GB" sz="3400" kern="1200" dirty="0" smtClean="0">
               <a:latin typeface="Futura (Light)" panose="020B7200000000000000" pitchFamily="34" charset="0"/>
             </a:rPr>
             <a:t>The Game</a:t>
           </a:r>
-          <a:endParaRPr lang="en-GB" sz="3200" kern="1200" dirty="0">
+          <a:endParaRPr lang="en-GB" sz="3400" kern="1200" dirty="0">
             <a:latin typeface="Futura (Light)" panose="020B7200000000000000" pitchFamily="34" charset="0"/>
           </a:endParaRPr>
         </a:p>
@@ -5761,7 +5810,7 @@
         </p:spPr>
         <p:txBody>
           <a:bodyPr>
-            <a:normAutofit fontScale="90000"/>
+            <a:normAutofit/>
           </a:bodyPr>
           <a:lstStyle/>
           <a:p>
@@ -5918,7 +5967,9 @@
         </p:nvSpPr>
         <p:spPr/>
         <p:txBody>
-          <a:bodyPr/>
+          <a:bodyPr>
+            <a:noAutofit/>
+          </a:bodyPr>
           <a:lstStyle/>
           <a:p>
             <a:pPr marL="0" indent="0">
@@ -5931,7 +5982,7 @@
                 </a:solidFill>
                 <a:latin typeface="Futura (Light)" panose="020B7200000000000000" pitchFamily="34" charset="0"/>
               </a:rPr>
-              <a:t>Nimrod </a:t>
+              <a:t>Nimrod Libman – Game </a:t>
             </a:r>
             <a:r>
               <a:rPr lang="en-GB" dirty="0" err="1" smtClean="0">
@@ -5940,17 +5991,14 @@
                 </a:solidFill>
                 <a:latin typeface="Futura (Light)" panose="020B7200000000000000" pitchFamily="34" charset="0"/>
               </a:rPr>
-              <a:t>Libman</a:t>
-            </a:r>
-            <a:r>
-              <a:rPr lang="en-GB" dirty="0" smtClean="0">
-                <a:solidFill>
-                  <a:schemeClr val="bg1"/>
-                </a:solidFill>
-                <a:latin typeface="Futura (Light)" panose="020B7200000000000000" pitchFamily="34" charset="0"/>
-              </a:rPr>
-              <a:t> – Game Engine</a:t>
-            </a:r>
+              <a:t>Engine,Art</a:t>
+            </a:r>
+            <a:endParaRPr lang="en-GB" dirty="0" smtClean="0">
+              <a:solidFill>
+                <a:schemeClr val="bg1"/>
+              </a:solidFill>
+              <a:latin typeface="Futura (Light)" panose="020B7200000000000000" pitchFamily="34" charset="0"/>
+            </a:endParaRPr>
           </a:p>
           <a:p>
             <a:pPr marL="0" indent="0">
@@ -6002,14 +6050,20 @@
               <a:t>Cameron Barker – Web </a:t>
             </a:r>
             <a:r>
-              <a:rPr lang="en-GB" dirty="0" smtClean="0">
+              <a:rPr lang="en-GB" dirty="0" err="1" smtClean="0">
                 <a:solidFill>
                   <a:schemeClr val="bg1"/>
                 </a:solidFill>
                 <a:latin typeface="Futura (Light)" panose="020B7200000000000000" pitchFamily="34" charset="0"/>
               </a:rPr>
-              <a:t>Design</a:t>
-            </a:r>
+              <a:t>Design,Art</a:t>
+            </a:r>
+            <a:endParaRPr lang="en-GB" dirty="0" smtClean="0">
+              <a:solidFill>
+                <a:schemeClr val="bg1"/>
+              </a:solidFill>
+              <a:latin typeface="Futura (Light)" panose="020B7200000000000000" pitchFamily="34" charset="0"/>
+            </a:endParaRPr>
           </a:p>
           <a:p>
             <a:pPr marL="0" indent="0">
@@ -6156,7 +6210,25 @@
                 </a:solidFill>
                 <a:latin typeface="Futura (Light)" panose="020B7200000000000000" pitchFamily="34" charset="0"/>
               </a:rPr>
-              <a:t>A fictional trading game set in space, with prices based on open data.</a:t>
+              <a:t>A fictional trading </a:t>
+            </a:r>
+            <a:r>
+              <a:rPr lang="en-GB" dirty="0" smtClean="0">
+                <a:solidFill>
+                  <a:schemeClr val="bg1"/>
+                </a:solidFill>
+                <a:latin typeface="Futura (Light)" panose="020B7200000000000000" pitchFamily="34" charset="0"/>
+              </a:rPr>
+              <a:t>game, similar to “Elite” </a:t>
+            </a:r>
+            <a:r>
+              <a:rPr lang="en-GB" dirty="0" smtClean="0">
+                <a:solidFill>
+                  <a:schemeClr val="bg1"/>
+                </a:solidFill>
+                <a:latin typeface="Futura (Light)" panose="020B7200000000000000" pitchFamily="34" charset="0"/>
+              </a:rPr>
+              <a:t>set in space, with prices based on open data.</a:t>
             </a:r>
             <a:endParaRPr lang="en-GB" dirty="0">
               <a:solidFill>
